--- a/GA1-Introduction.pptx
+++ b/GA1-Introduction.pptx
@@ -116,6 +116,22 @@
       </a:defRPr>
     </a:lvl9pPr>
   </p:defaultTextStyle>
+  <p:extLst>
+    <p:ext uri="{EFAFB233-063F-42B5-8137-9DF3F51BA10A}">
+      <p15:sldGuideLst xmlns:p15="http://schemas.microsoft.com/office/powerpoint/2012/main">
+        <p15:guide id="1" orient="horz" pos="2160">
+          <p15:clr>
+            <a:srgbClr val="A4A3A4"/>
+          </p15:clr>
+        </p15:guide>
+        <p15:guide id="2" pos="2880">
+          <p15:clr>
+            <a:srgbClr val="A4A3A4"/>
+          </p15:clr>
+        </p15:guide>
+      </p15:sldGuideLst>
+    </p:ext>
+  </p:extLst>
 </p:presentation>
 </file>
 
@@ -201,7 +217,7 @@
           <a:p>
             <a:fld id="{DA1D0D7A-5B6B-4D4D-9DF4-702E3CC5973F}" type="datetimeFigureOut">
               <a:rPr lang="ko-KR" altLang="en-US" smtClean="0"/>
-              <a:t>2018-09-19</a:t>
+              <a:t>2019-01-10</a:t>
             </a:fld>
             <a:endParaRPr lang="ko-KR" altLang="en-US"/>
           </a:p>
@@ -742,7 +758,7 @@
           <a:p>
             <a:fld id="{FB30EDBD-1C2D-4C1E-B459-B60219FAB484}" type="datetimeFigureOut">
               <a:rPr lang="ko-KR" altLang="en-US" smtClean="0"/>
-              <a:t>2018-09-19</a:t>
+              <a:t>2019-01-10</a:t>
             </a:fld>
             <a:endParaRPr lang="ko-KR" altLang="en-US"/>
           </a:p>
@@ -907,7 +923,7 @@
           <a:p>
             <a:fld id="{FB30EDBD-1C2D-4C1E-B459-B60219FAB484}" type="datetimeFigureOut">
               <a:rPr lang="ko-KR" altLang="en-US" smtClean="0"/>
-              <a:t>2018-09-19</a:t>
+              <a:t>2019-01-10</a:t>
             </a:fld>
             <a:endParaRPr lang="ko-KR" altLang="en-US"/>
           </a:p>
@@ -1082,7 +1098,7 @@
           <a:p>
             <a:fld id="{FB30EDBD-1C2D-4C1E-B459-B60219FAB484}" type="datetimeFigureOut">
               <a:rPr lang="ko-KR" altLang="en-US" smtClean="0"/>
-              <a:t>2018-09-19</a:t>
+              <a:t>2019-01-10</a:t>
             </a:fld>
             <a:endParaRPr lang="ko-KR" altLang="en-US"/>
           </a:p>
@@ -1247,7 +1263,7 @@
           <a:p>
             <a:fld id="{FB30EDBD-1C2D-4C1E-B459-B60219FAB484}" type="datetimeFigureOut">
               <a:rPr lang="ko-KR" altLang="en-US" smtClean="0"/>
-              <a:t>2018-09-19</a:t>
+              <a:t>2019-01-10</a:t>
             </a:fld>
             <a:endParaRPr lang="ko-KR" altLang="en-US"/>
           </a:p>
@@ -1488,7 +1504,7 @@
           <a:p>
             <a:fld id="{FB30EDBD-1C2D-4C1E-B459-B60219FAB484}" type="datetimeFigureOut">
               <a:rPr lang="ko-KR" altLang="en-US" smtClean="0"/>
-              <a:t>2018-09-19</a:t>
+              <a:t>2019-01-10</a:t>
             </a:fld>
             <a:endParaRPr lang="ko-KR" altLang="en-US"/>
           </a:p>
@@ -1771,7 +1787,7 @@
           <a:p>
             <a:fld id="{FB30EDBD-1C2D-4C1E-B459-B60219FAB484}" type="datetimeFigureOut">
               <a:rPr lang="ko-KR" altLang="en-US" smtClean="0"/>
-              <a:t>2018-09-19</a:t>
+              <a:t>2019-01-10</a:t>
             </a:fld>
             <a:endParaRPr lang="ko-KR" altLang="en-US"/>
           </a:p>
@@ -2188,7 +2204,7 @@
           <a:p>
             <a:fld id="{FB30EDBD-1C2D-4C1E-B459-B60219FAB484}" type="datetimeFigureOut">
               <a:rPr lang="ko-KR" altLang="en-US" smtClean="0"/>
-              <a:t>2018-09-19</a:t>
+              <a:t>2019-01-10</a:t>
             </a:fld>
             <a:endParaRPr lang="ko-KR" altLang="en-US"/>
           </a:p>
@@ -2301,7 +2317,7 @@
           <a:p>
             <a:fld id="{FB30EDBD-1C2D-4C1E-B459-B60219FAB484}" type="datetimeFigureOut">
               <a:rPr lang="ko-KR" altLang="en-US" smtClean="0"/>
-              <a:t>2018-09-19</a:t>
+              <a:t>2019-01-10</a:t>
             </a:fld>
             <a:endParaRPr lang="ko-KR" altLang="en-US"/>
           </a:p>
@@ -2391,7 +2407,7 @@
           <a:p>
             <a:fld id="{FB30EDBD-1C2D-4C1E-B459-B60219FAB484}" type="datetimeFigureOut">
               <a:rPr lang="ko-KR" altLang="en-US" smtClean="0"/>
-              <a:t>2018-09-19</a:t>
+              <a:t>2019-01-10</a:t>
             </a:fld>
             <a:endParaRPr lang="ko-KR" altLang="en-US"/>
           </a:p>
@@ -2663,7 +2679,7 @@
           <a:p>
             <a:fld id="{FB30EDBD-1C2D-4C1E-B459-B60219FAB484}" type="datetimeFigureOut">
               <a:rPr lang="ko-KR" altLang="en-US" smtClean="0"/>
-              <a:t>2018-09-19</a:t>
+              <a:t>2019-01-10</a:t>
             </a:fld>
             <a:endParaRPr lang="ko-KR" altLang="en-US"/>
           </a:p>
@@ -2911,7 +2927,7 @@
           <a:p>
             <a:fld id="{FB30EDBD-1C2D-4C1E-B459-B60219FAB484}" type="datetimeFigureOut">
               <a:rPr lang="ko-KR" altLang="en-US" smtClean="0"/>
-              <a:t>2018-09-19</a:t>
+              <a:t>2019-01-10</a:t>
             </a:fld>
             <a:endParaRPr lang="ko-KR" altLang="en-US"/>
           </a:p>
@@ -3119,7 +3135,7 @@
           <a:p>
             <a:fld id="{FB30EDBD-1C2D-4C1E-B459-B60219FAB484}" type="datetimeFigureOut">
               <a:rPr lang="ko-KR" altLang="en-US" smtClean="0"/>
-              <a:t>2018-09-19</a:t>
+              <a:t>2019-01-10</a:t>
             </a:fld>
             <a:endParaRPr lang="ko-KR" altLang="en-US"/>
           </a:p>
@@ -3522,31 +3538,38 @@
               <a:t>Genetic Algorithm</a:t>
             </a:r>
             <a:r>
-              <a:rPr lang="en-US" altLang="ko-KR" dirty="0" smtClean="0">
+              <a:rPr lang="en-US" altLang="ko-KR" smtClean="0">
                 <a:latin typeface="Adobe Fan Heiti Std B" pitchFamily="34" charset="-128"/>
                 <a:ea typeface="Adobe Fan Heiti Std B" pitchFamily="34" charset="-128"/>
               </a:rPr>
               <a:t/>
             </a:r>
             <a:br>
-              <a:rPr lang="en-US" altLang="ko-KR" dirty="0" smtClean="0">
+              <a:rPr lang="en-US" altLang="ko-KR" smtClean="0">
                 <a:latin typeface="Adobe Fan Heiti Std B" pitchFamily="34" charset="-128"/>
                 <a:ea typeface="Adobe Fan Heiti Std B" pitchFamily="34" charset="-128"/>
               </a:rPr>
             </a:br>
             <a:r>
-              <a:rPr lang="en-US" altLang="ko-KR" dirty="0" smtClean="0">
+              <a:rPr lang="en-US" altLang="ko-KR" smtClean="0">
                 <a:latin typeface="Adobe Fan Heiti Std B" pitchFamily="34" charset="-128"/>
                 <a:ea typeface="Adobe Fan Heiti Std B" pitchFamily="34" charset="-128"/>
               </a:rPr>
-              <a:t>~ </a:t>
-            </a:r>
-            <a:r>
-              <a:rPr lang="en-US" altLang="ko-KR" sz="4000" dirty="0" smtClean="0">
+              <a:t>* </a:t>
+            </a:r>
+            <a:r>
+              <a:rPr lang="en-US" altLang="ko-KR" sz="4000" smtClean="0">
                 <a:latin typeface="Adobe Fan Heiti Std B" pitchFamily="34" charset="-128"/>
                 <a:ea typeface="Adobe Fan Heiti Std B" pitchFamily="34" charset="-128"/>
               </a:rPr>
-              <a:t>Introduction ~</a:t>
+              <a:t>Introduction </a:t>
+            </a:r>
+            <a:r>
+              <a:rPr lang="en-US" altLang="ko-KR" sz="4000" smtClean="0">
+                <a:latin typeface="Adobe Fan Heiti Std B" pitchFamily="34" charset="-128"/>
+                <a:ea typeface="Adobe Fan Heiti Std B" pitchFamily="34" charset="-128"/>
+              </a:rPr>
+              <a:t>*</a:t>
             </a:r>
             <a:endParaRPr lang="ko-KR" altLang="en-US" dirty="0">
               <a:latin typeface="Adobe Fan Heiti Std B" pitchFamily="34" charset="-128"/>
@@ -3564,6 +3587,13 @@
   <p:clrMapOvr>
     <a:masterClrMapping/>
   </p:clrMapOvr>
+  <p:timing>
+    <p:tnLst>
+      <p:par>
+        <p:cTn id="1" dur="indefinite" restart="never" nodeType="tmRoot"/>
+      </p:par>
+    </p:tnLst>
+  </p:timing>
 </p:sld>
 </file>
 
@@ -4026,17 +4056,7 @@
                 <a:latin typeface="Cambria Math" panose="02040503050406030204" pitchFamily="18" charset="0"/>
                 <a:ea typeface="Cambria Math" panose="02040503050406030204" pitchFamily="18" charset="0"/>
               </a:rPr>
-              <a:t>: Try </a:t>
-            </a:r>
-            <a:r>
-              <a:rPr lang="en-US" altLang="ko-KR" sz="2400" b="1" dirty="0" smtClean="0">
-                <a:solidFill>
-                  <a:srgbClr val="0066FF"/>
-                </a:solidFill>
-                <a:latin typeface="Cambria Math" panose="02040503050406030204" pitchFamily="18" charset="0"/>
-                <a:ea typeface="Cambria Math" panose="02040503050406030204" pitchFamily="18" charset="0"/>
-              </a:rPr>
-              <a:t>every possible cases!</a:t>
+              <a:t>: Try every possible cases!</a:t>
             </a:r>
             <a:endParaRPr lang="ko-KR" altLang="en-US" sz="2400" b="1" dirty="0">
               <a:solidFill>
@@ -4120,6 +4140,13 @@
   <p:clrMapOvr>
     <a:masterClrMapping/>
   </p:clrMapOvr>
+  <p:timing>
+    <p:tnLst>
+      <p:par>
+        <p:cTn id="1" dur="indefinite" restart="never" nodeType="tmRoot"/>
+      </p:par>
+    </p:tnLst>
+  </p:timing>
 </p:sld>
 </file>
 
@@ -4270,10 +4297,6 @@
               </a:rPr>
               <a:t>used. </a:t>
             </a:r>
-            <a:endParaRPr lang="en-US" altLang="ko-KR" sz="2400" dirty="0" smtClean="0">
-              <a:latin typeface="Cambria Math" panose="02040503050406030204" pitchFamily="18" charset="0"/>
-              <a:ea typeface="Cambria Math" panose="02040503050406030204" pitchFamily="18" charset="0"/>
-            </a:endParaRPr>
           </a:p>
           <a:p>
             <a:endParaRPr lang="en-US" altLang="ko-KR" sz="2400" dirty="0">

--- a/GA1-Introduction.pptx
+++ b/GA1-Introduction.pptx
@@ -3562,14 +3562,7 @@
                 <a:latin typeface="Adobe Fan Heiti Std B" pitchFamily="34" charset="-128"/>
                 <a:ea typeface="Adobe Fan Heiti Std B" pitchFamily="34" charset="-128"/>
               </a:rPr>
-              <a:t>Introduction </a:t>
-            </a:r>
-            <a:r>
-              <a:rPr lang="en-US" altLang="ko-KR" sz="4000" smtClean="0">
-                <a:latin typeface="Adobe Fan Heiti Std B" pitchFamily="34" charset="-128"/>
-                <a:ea typeface="Adobe Fan Heiti Std B" pitchFamily="34" charset="-128"/>
-              </a:rPr>
-              <a:t>*</a:t>
+              <a:t>Introduction *</a:t>
             </a:r>
             <a:endParaRPr lang="ko-KR" altLang="en-US" dirty="0">
               <a:latin typeface="Adobe Fan Heiti Std B" pitchFamily="34" charset="-128"/>
@@ -4612,6 +4605,13 @@
   <p:clrMapOvr>
     <a:masterClrMapping/>
   </p:clrMapOvr>
+  <p:timing>
+    <p:tnLst>
+      <p:par>
+        <p:cTn id="1" dur="indefinite" restart="never" nodeType="tmRoot"/>
+      </p:par>
+    </p:tnLst>
+  </p:timing>
 </p:sld>
 </file>
 
@@ -4745,6 +4745,9 @@
             </a:r>
             <a:r>
               <a:rPr lang="en-US" altLang="ko-KR" sz="2400" b="1" dirty="0" smtClean="0">
+                <a:solidFill>
+                  <a:srgbClr val="0066FF"/>
+                </a:solidFill>
                 <a:latin typeface="Cambria Math" panose="02040503050406030204" pitchFamily="18" charset="0"/>
                 <a:ea typeface="Cambria Math" panose="02040503050406030204" pitchFamily="18" charset="0"/>
               </a:rPr>
@@ -4752,6 +4755,9 @@
             </a:r>
             <a:r>
               <a:rPr lang="en-US" altLang="ko-KR" sz="2400" dirty="0" smtClean="0">
+                <a:solidFill>
+                  <a:srgbClr val="0066FF"/>
+                </a:solidFill>
                 <a:latin typeface="Cambria Math" panose="02040503050406030204" pitchFamily="18" charset="0"/>
                 <a:ea typeface="Cambria Math" panose="02040503050406030204" pitchFamily="18" charset="0"/>
               </a:rPr>
@@ -4812,6 +4818,13 @@
   <p:clrMapOvr>
     <a:masterClrMapping/>
   </p:clrMapOvr>
+  <p:timing>
+    <p:tnLst>
+      <p:par>
+        <p:cTn id="1" dur="indefinite" restart="never" nodeType="tmRoot"/>
+      </p:par>
+    </p:tnLst>
+  </p:timing>
 </p:sld>
 </file>
 

--- a/GA1-Introduction.pptx
+++ b/GA1-Introduction.pptx
@@ -3555,7 +3555,7 @@
                 <a:latin typeface="Adobe Fan Heiti Std B" pitchFamily="34" charset="-128"/>
                 <a:ea typeface="Adobe Fan Heiti Std B" pitchFamily="34" charset="-128"/>
               </a:rPr>
-              <a:t>* </a:t>
+              <a:t>~ </a:t>
             </a:r>
             <a:r>
               <a:rPr lang="en-US" altLang="ko-KR" sz="4000" smtClean="0">
